--- a/P7_scoring.pptx
+++ b/P7_scoring.pptx
@@ -14,7 +14,7 @@
     <p:sldId id="259" r:id="rId5"/>
     <p:sldId id="260" r:id="rId6"/>
     <p:sldId id="261" r:id="rId7"/>
-    <p:sldId id="262" r:id="rId8"/>
+    <p:sldId id="267" r:id="rId8"/>
     <p:sldId id="265" r:id="rId9"/>
     <p:sldId id="263" r:id="rId10"/>
     <p:sldId id="264" r:id="rId11"/>
@@ -117,6 +117,11 @@
       </a:defRPr>
     </a:lvl9pPr>
   </p:defaultTextStyle>
+  <p:extLst>
+    <p:ext uri="{EFAFB233-063F-42B5-8137-9DF3F51BA10A}">
+      <p15:sldGuideLst xmlns:p15="http://schemas.microsoft.com/office/powerpoint/2012/main"/>
+    </p:ext>
+  </p:extLst>
 </p:presentation>
 </file>
 
@@ -202,7 +207,7 @@
           <a:p>
             <a:fld id="{B9B95AA7-5524-4D70-A0C4-BCD87D2D43BA}" type="datetimeFigureOut">
               <a:rPr lang="fr-FR" smtClean="0"/>
-              <a:t>08/03/2022</a:t>
+              <a:t>06/04/2022</a:t>
             </a:fld>
             <a:endParaRPr lang="fr-FR"/>
           </a:p>
@@ -819,7 +824,7 @@
           <a:p>
             <a:fld id="{453DB09A-7329-4EB7-A00F-14FB049CD77B}" type="datetimeFigureOut">
               <a:rPr lang="fr-FR" smtClean="0"/>
-              <a:t>08/03/2022</a:t>
+              <a:t>06/04/2022</a:t>
             </a:fld>
             <a:endParaRPr lang="fr-FR"/>
           </a:p>
@@ -989,7 +994,7 @@
           <a:p>
             <a:fld id="{453DB09A-7329-4EB7-A00F-14FB049CD77B}" type="datetimeFigureOut">
               <a:rPr lang="fr-FR" smtClean="0"/>
-              <a:t>08/03/2022</a:t>
+              <a:t>06/04/2022</a:t>
             </a:fld>
             <a:endParaRPr lang="fr-FR"/>
           </a:p>
@@ -1169,7 +1174,7 @@
           <a:p>
             <a:fld id="{453DB09A-7329-4EB7-A00F-14FB049CD77B}" type="datetimeFigureOut">
               <a:rPr lang="fr-FR" smtClean="0"/>
-              <a:t>08/03/2022</a:t>
+              <a:t>06/04/2022</a:t>
             </a:fld>
             <a:endParaRPr lang="fr-FR"/>
           </a:p>
@@ -1339,7 +1344,7 @@
           <a:p>
             <a:fld id="{453DB09A-7329-4EB7-A00F-14FB049CD77B}" type="datetimeFigureOut">
               <a:rPr lang="fr-FR" smtClean="0"/>
-              <a:t>08/03/2022</a:t>
+              <a:t>06/04/2022</a:t>
             </a:fld>
             <a:endParaRPr lang="fr-FR"/>
           </a:p>
@@ -1585,7 +1590,7 @@
           <a:p>
             <a:fld id="{453DB09A-7329-4EB7-A00F-14FB049CD77B}" type="datetimeFigureOut">
               <a:rPr lang="fr-FR" smtClean="0"/>
-              <a:t>08/03/2022</a:t>
+              <a:t>06/04/2022</a:t>
             </a:fld>
             <a:endParaRPr lang="fr-FR"/>
           </a:p>
@@ -1817,7 +1822,7 @@
           <a:p>
             <a:fld id="{453DB09A-7329-4EB7-A00F-14FB049CD77B}" type="datetimeFigureOut">
               <a:rPr lang="fr-FR" smtClean="0"/>
-              <a:t>08/03/2022</a:t>
+              <a:t>06/04/2022</a:t>
             </a:fld>
             <a:endParaRPr lang="fr-FR"/>
           </a:p>
@@ -2184,7 +2189,7 @@
           <a:p>
             <a:fld id="{453DB09A-7329-4EB7-A00F-14FB049CD77B}" type="datetimeFigureOut">
               <a:rPr lang="fr-FR" smtClean="0"/>
-              <a:t>08/03/2022</a:t>
+              <a:t>06/04/2022</a:t>
             </a:fld>
             <a:endParaRPr lang="fr-FR"/>
           </a:p>
@@ -2302,7 +2307,7 @@
           <a:p>
             <a:fld id="{453DB09A-7329-4EB7-A00F-14FB049CD77B}" type="datetimeFigureOut">
               <a:rPr lang="fr-FR" smtClean="0"/>
-              <a:t>08/03/2022</a:t>
+              <a:t>06/04/2022</a:t>
             </a:fld>
             <a:endParaRPr lang="fr-FR"/>
           </a:p>
@@ -2397,7 +2402,7 @@
           <a:p>
             <a:fld id="{453DB09A-7329-4EB7-A00F-14FB049CD77B}" type="datetimeFigureOut">
               <a:rPr lang="fr-FR" smtClean="0"/>
-              <a:t>08/03/2022</a:t>
+              <a:t>06/04/2022</a:t>
             </a:fld>
             <a:endParaRPr lang="fr-FR"/>
           </a:p>
@@ -2674,7 +2679,7 @@
           <a:p>
             <a:fld id="{453DB09A-7329-4EB7-A00F-14FB049CD77B}" type="datetimeFigureOut">
               <a:rPr lang="fr-FR" smtClean="0"/>
-              <a:t>08/03/2022</a:t>
+              <a:t>06/04/2022</a:t>
             </a:fld>
             <a:endParaRPr lang="fr-FR"/>
           </a:p>
@@ -2927,7 +2932,7 @@
           <a:p>
             <a:fld id="{453DB09A-7329-4EB7-A00F-14FB049CD77B}" type="datetimeFigureOut">
               <a:rPr lang="fr-FR" smtClean="0"/>
-              <a:t>08/03/2022</a:t>
+              <a:t>06/04/2022</a:t>
             </a:fld>
             <a:endParaRPr lang="fr-FR"/>
           </a:p>
@@ -3140,7 +3145,7 @@
           <a:p>
             <a:fld id="{453DB09A-7329-4EB7-A00F-14FB049CD77B}" type="datetimeFigureOut">
               <a:rPr lang="fr-FR" smtClean="0"/>
-              <a:t>08/03/2022</a:t>
+              <a:t>06/04/2022</a:t>
             </a:fld>
             <a:endParaRPr lang="fr-FR"/>
           </a:p>
@@ -4067,8 +4072,8 @@
           <a:lstStyle/>
           <a:p>
             <a:r>
-              <a:rPr lang="fr-FR" dirty="0" err="1" smtClean="0"/>
-              <a:t>dép</a:t>
+              <a:rPr lang="fr-FR" dirty="0" smtClean="0"/>
+              <a:t>Déploiement du modèle</a:t>
             </a:r>
             <a:endParaRPr lang="fr-FR" dirty="0"/>
           </a:p>
@@ -4089,7 +4094,7 @@
           <a:bodyPr/>
           <a:lstStyle/>
           <a:p>
-            <a:endParaRPr lang="fr-FR"/>
+            <a:endParaRPr lang="fr-FR" dirty="0"/>
           </a:p>
         </p:txBody>
       </p:sp>
@@ -4794,20 +4799,209 @@
       </p:sp>
       <p:sp>
         <p:nvSpPr>
-          <p:cNvPr id="3" name="Espace réservé du contenu 2"/>
-          <p:cNvSpPr>
-            <a:spLocks noGrp="1"/>
-          </p:cNvSpPr>
-          <p:nvPr>
-            <p:ph idx="1"/>
-          </p:nvPr>
-        </p:nvSpPr>
-        <p:spPr/>
-        <p:txBody>
-          <a:bodyPr/>
-          <a:lstStyle/>
-          <a:p>
-            <a:endParaRPr lang="fr-FR"/>
+          <p:cNvPr id="4" name="ZoneTexte 3"/>
+          <p:cNvSpPr txBox="1"/>
+          <p:nvPr/>
+        </p:nvSpPr>
+        <p:spPr>
+          <a:xfrm>
+            <a:off x="1033096" y="1607191"/>
+            <a:ext cx="2980592" cy="369332"/>
+          </a:xfrm>
+          <a:prstGeom prst="rect">
+            <a:avLst/>
+          </a:prstGeom>
+          <a:noFill/>
+        </p:spPr>
+        <p:txBody>
+          <a:bodyPr wrap="square" rtlCol="0">
+            <a:spAutoFit/>
+          </a:bodyPr>
+          <a:lstStyle/>
+          <a:p>
+            <a:r>
+              <a:rPr lang="fr-FR" dirty="0" smtClean="0"/>
+              <a:t>Etape 1: </a:t>
+            </a:r>
+            <a:r>
+              <a:rPr lang="fr-FR" dirty="0" err="1" smtClean="0"/>
+              <a:t>Kernel</a:t>
+            </a:r>
+            <a:r>
+              <a:rPr lang="fr-FR" dirty="0" smtClean="0"/>
+              <a:t> externe </a:t>
+            </a:r>
+            <a:endParaRPr lang="fr-FR" dirty="0"/>
+          </a:p>
+        </p:txBody>
+      </p:sp>
+      <p:sp>
+        <p:nvSpPr>
+          <p:cNvPr id="6" name="ZoneTexte 5"/>
+          <p:cNvSpPr txBox="1"/>
+          <p:nvPr/>
+        </p:nvSpPr>
+        <p:spPr>
+          <a:xfrm>
+            <a:off x="5982432" y="1587805"/>
+            <a:ext cx="3402623" cy="369332"/>
+          </a:xfrm>
+          <a:prstGeom prst="rect">
+            <a:avLst/>
+          </a:prstGeom>
+          <a:noFill/>
+        </p:spPr>
+        <p:txBody>
+          <a:bodyPr wrap="square" rtlCol="0">
+            <a:spAutoFit/>
+          </a:bodyPr>
+          <a:lstStyle/>
+          <a:p>
+            <a:r>
+              <a:rPr lang="fr-FR" dirty="0" smtClean="0"/>
+              <a:t>Etape 2: remplacement des Nan</a:t>
+            </a:r>
+            <a:endParaRPr lang="fr-FR" dirty="0"/>
+          </a:p>
+        </p:txBody>
+      </p:sp>
+      <p:sp>
+        <p:nvSpPr>
+          <p:cNvPr id="8" name="ZoneTexte 7"/>
+          <p:cNvSpPr txBox="1"/>
+          <p:nvPr/>
+        </p:nvSpPr>
+        <p:spPr>
+          <a:xfrm>
+            <a:off x="757601" y="3371786"/>
+            <a:ext cx="3402623" cy="646331"/>
+          </a:xfrm>
+          <a:prstGeom prst="rect">
+            <a:avLst/>
+          </a:prstGeom>
+          <a:noFill/>
+        </p:spPr>
+        <p:txBody>
+          <a:bodyPr wrap="square" rtlCol="0">
+            <a:spAutoFit/>
+          </a:bodyPr>
+          <a:lstStyle/>
+          <a:p>
+            <a:r>
+              <a:rPr lang="fr-FR" dirty="0" smtClean="0"/>
+              <a:t>Etape 3: Suppression des colonnes trop corrélées </a:t>
+            </a:r>
+            <a:endParaRPr lang="fr-FR" dirty="0"/>
+          </a:p>
+        </p:txBody>
+      </p:sp>
+      <p:sp>
+        <p:nvSpPr>
+          <p:cNvPr id="10" name="ZoneTexte 9"/>
+          <p:cNvSpPr txBox="1"/>
+          <p:nvPr/>
+        </p:nvSpPr>
+        <p:spPr>
+          <a:xfrm>
+            <a:off x="5982432" y="3358534"/>
+            <a:ext cx="3402623" cy="646331"/>
+          </a:xfrm>
+          <a:prstGeom prst="rect">
+            <a:avLst/>
+          </a:prstGeom>
+          <a:noFill/>
+        </p:spPr>
+        <p:txBody>
+          <a:bodyPr wrap="square" rtlCol="0">
+            <a:spAutoFit/>
+          </a:bodyPr>
+          <a:lstStyle/>
+          <a:p>
+            <a:r>
+              <a:rPr lang="fr-FR" dirty="0" smtClean="0"/>
+              <a:t>Etape 4: Suppression des valeurs aberrantes </a:t>
+            </a:r>
+            <a:endParaRPr lang="fr-FR" dirty="0"/>
+          </a:p>
+        </p:txBody>
+      </p:sp>
+      <p:sp>
+        <p:nvSpPr>
+          <p:cNvPr id="11" name="ZoneTexte 10"/>
+          <p:cNvSpPr txBox="1"/>
+          <p:nvPr/>
+        </p:nvSpPr>
+        <p:spPr>
+          <a:xfrm>
+            <a:off x="757600" y="5052884"/>
+            <a:ext cx="3402623" cy="646331"/>
+          </a:xfrm>
+          <a:prstGeom prst="rect">
+            <a:avLst/>
+          </a:prstGeom>
+          <a:noFill/>
+        </p:spPr>
+        <p:txBody>
+          <a:bodyPr wrap="square" rtlCol="0">
+            <a:spAutoFit/>
+          </a:bodyPr>
+          <a:lstStyle/>
+          <a:p>
+            <a:r>
+              <a:rPr lang="fr-FR" dirty="0" smtClean="0"/>
+              <a:t>Etape 5: Suppression des colonnes inutiles (ID, sexe </a:t>
+            </a:r>
+            <a:r>
+              <a:rPr lang="fr-FR" dirty="0" err="1" smtClean="0"/>
+              <a:t>etc</a:t>
+            </a:r>
+            <a:r>
+              <a:rPr lang="fr-FR" dirty="0" smtClean="0"/>
+              <a:t>)</a:t>
+            </a:r>
+            <a:endParaRPr lang="fr-FR" dirty="0"/>
+          </a:p>
+        </p:txBody>
+      </p:sp>
+      <p:sp>
+        <p:nvSpPr>
+          <p:cNvPr id="12" name="ZoneTexte 11"/>
+          <p:cNvSpPr txBox="1"/>
+          <p:nvPr/>
+        </p:nvSpPr>
+        <p:spPr>
+          <a:xfrm>
+            <a:off x="5982432" y="5052883"/>
+            <a:ext cx="3402623" cy="646331"/>
+          </a:xfrm>
+          <a:prstGeom prst="rect">
+            <a:avLst/>
+          </a:prstGeom>
+          <a:noFill/>
+        </p:spPr>
+        <p:txBody>
+          <a:bodyPr wrap="square" rtlCol="0">
+            <a:spAutoFit/>
+          </a:bodyPr>
+          <a:lstStyle/>
+          <a:p>
+            <a:r>
+              <a:rPr lang="fr-FR" dirty="0" smtClean="0"/>
+              <a:t>Etape 6: Equilibrage du </a:t>
+            </a:r>
+            <a:r>
+              <a:rPr lang="fr-FR" dirty="0" err="1" smtClean="0"/>
+              <a:t>DataSet</a:t>
+            </a:r>
+            <a:r>
+              <a:rPr lang="fr-FR" dirty="0" smtClean="0"/>
+              <a:t> via </a:t>
+            </a:r>
+            <a:r>
+              <a:rPr lang="fr-FR" dirty="0" err="1" smtClean="0"/>
+              <a:t>smote</a:t>
+            </a:r>
+            <a:endParaRPr lang="fr-FR" dirty="0"/>
           </a:p>
         </p:txBody>
       </p:sp>
@@ -4866,20 +5060,232 @@
       </p:sp>
       <p:sp>
         <p:nvSpPr>
-          <p:cNvPr id="3" name="Espace réservé du contenu 2"/>
-          <p:cNvSpPr>
-            <a:spLocks noGrp="1"/>
-          </p:cNvSpPr>
-          <p:nvPr>
-            <p:ph idx="1"/>
-          </p:nvPr>
-        </p:nvSpPr>
-        <p:spPr/>
-        <p:txBody>
-          <a:bodyPr/>
-          <a:lstStyle/>
-          <a:p>
-            <a:endParaRPr lang="fr-FR"/>
+          <p:cNvPr id="4" name="ZoneTexte 3"/>
+          <p:cNvSpPr txBox="1"/>
+          <p:nvPr/>
+        </p:nvSpPr>
+        <p:spPr>
+          <a:xfrm>
+            <a:off x="993531" y="1907931"/>
+            <a:ext cx="4404946" cy="646331"/>
+          </a:xfrm>
+          <a:prstGeom prst="rect">
+            <a:avLst/>
+          </a:prstGeom>
+          <a:noFill/>
+        </p:spPr>
+        <p:txBody>
+          <a:bodyPr wrap="square" rtlCol="0">
+            <a:spAutoFit/>
+          </a:bodyPr>
+          <a:lstStyle/>
+          <a:p>
+            <a:r>
+              <a:rPr lang="fr-FR" dirty="0" smtClean="0"/>
+              <a:t>Cross-validation sur 5 plis basée sur la précision</a:t>
+            </a:r>
+            <a:endParaRPr lang="fr-FR" dirty="0"/>
+          </a:p>
+        </p:txBody>
+      </p:sp>
+      <p:sp>
+        <p:nvSpPr>
+          <p:cNvPr id="5" name="ZoneTexte 4"/>
+          <p:cNvSpPr txBox="1"/>
+          <p:nvPr/>
+        </p:nvSpPr>
+        <p:spPr>
+          <a:xfrm>
+            <a:off x="1081454" y="2945423"/>
+            <a:ext cx="3543300" cy="2308324"/>
+          </a:xfrm>
+          <a:prstGeom prst="rect">
+            <a:avLst/>
+          </a:prstGeom>
+          <a:noFill/>
+        </p:spPr>
+        <p:txBody>
+          <a:bodyPr wrap="square" rtlCol="0">
+            <a:spAutoFit/>
+          </a:bodyPr>
+          <a:lstStyle/>
+          <a:p>
+            <a:r>
+              <a:rPr lang="fr-FR" dirty="0" smtClean="0"/>
+              <a:t>Algorithmes étudiés :</a:t>
+            </a:r>
+          </a:p>
+          <a:p>
+            <a:r>
+              <a:rPr lang="fr-FR" dirty="0" smtClean="0"/>
+              <a:t>-    </a:t>
+            </a:r>
+            <a:r>
+              <a:rPr lang="fr-FR" dirty="0" err="1" smtClean="0"/>
+              <a:t>Gaussian</a:t>
+            </a:r>
+            <a:r>
+              <a:rPr lang="fr-FR" dirty="0" smtClean="0"/>
+              <a:t> </a:t>
+            </a:r>
+            <a:r>
+              <a:rPr lang="fr-FR" dirty="0" err="1" smtClean="0"/>
+              <a:t>Naive</a:t>
+            </a:r>
+            <a:r>
+              <a:rPr lang="fr-FR" dirty="0" smtClean="0"/>
+              <a:t>-Bayes</a:t>
+            </a:r>
+          </a:p>
+          <a:p>
+            <a:pPr marL="285750" indent="-285750">
+              <a:buFontTx/>
+              <a:buChar char="-"/>
+            </a:pPr>
+            <a:r>
+              <a:rPr lang="fr-FR" dirty="0" smtClean="0"/>
+              <a:t>SVM</a:t>
+            </a:r>
+          </a:p>
+          <a:p>
+            <a:pPr marL="285750" indent="-285750">
+              <a:buFontTx/>
+              <a:buChar char="-"/>
+            </a:pPr>
+            <a:r>
+              <a:rPr lang="fr-FR" dirty="0" err="1" smtClean="0"/>
+              <a:t>LogisticRegression</a:t>
+            </a:r>
+            <a:endParaRPr lang="fr-FR" dirty="0" smtClean="0"/>
+          </a:p>
+          <a:p>
+            <a:pPr marL="285750" indent="-285750">
+              <a:buFontTx/>
+              <a:buChar char="-"/>
+            </a:pPr>
+            <a:r>
+              <a:rPr lang="fr-FR" dirty="0" smtClean="0"/>
+              <a:t>K-</a:t>
+            </a:r>
+            <a:r>
+              <a:rPr lang="fr-FR" dirty="0" err="1" smtClean="0"/>
+              <a:t>nearest</a:t>
+            </a:r>
+            <a:r>
+              <a:rPr lang="fr-FR" dirty="0" smtClean="0"/>
+              <a:t> </a:t>
+            </a:r>
+            <a:r>
+              <a:rPr lang="fr-FR" dirty="0" err="1" smtClean="0"/>
+              <a:t>neighbors</a:t>
+            </a:r>
+            <a:endParaRPr lang="fr-FR" dirty="0" smtClean="0"/>
+          </a:p>
+          <a:p>
+            <a:pPr marL="285750" indent="-285750">
+              <a:buFontTx/>
+              <a:buChar char="-"/>
+            </a:pPr>
+            <a:r>
+              <a:rPr lang="fr-FR" dirty="0" err="1" smtClean="0"/>
+              <a:t>Decision</a:t>
+            </a:r>
+            <a:r>
+              <a:rPr lang="fr-FR" dirty="0" smtClean="0"/>
+              <a:t> </a:t>
+            </a:r>
+            <a:r>
+              <a:rPr lang="fr-FR" dirty="0" err="1" smtClean="0"/>
+              <a:t>tree</a:t>
+            </a:r>
+            <a:endParaRPr lang="fr-FR" dirty="0" smtClean="0"/>
+          </a:p>
+          <a:p>
+            <a:pPr marL="285750" indent="-285750">
+              <a:buFontTx/>
+              <a:buChar char="-"/>
+            </a:pPr>
+            <a:r>
+              <a:rPr lang="fr-FR" dirty="0" err="1" smtClean="0"/>
+              <a:t>RandomForest</a:t>
+            </a:r>
+            <a:endParaRPr lang="fr-FR" dirty="0" smtClean="0"/>
+          </a:p>
+          <a:p>
+            <a:pPr marL="285750" indent="-285750">
+              <a:buFontTx/>
+              <a:buChar char="-"/>
+            </a:pPr>
+            <a:endParaRPr lang="fr-FR" dirty="0"/>
+          </a:p>
+        </p:txBody>
+      </p:sp>
+      <p:sp>
+        <p:nvSpPr>
+          <p:cNvPr id="6" name="ZoneTexte 5"/>
+          <p:cNvSpPr txBox="1"/>
+          <p:nvPr/>
+        </p:nvSpPr>
+        <p:spPr>
+          <a:xfrm>
+            <a:off x="6119446" y="2751992"/>
+            <a:ext cx="4457700" cy="923330"/>
+          </a:xfrm>
+          <a:prstGeom prst="rect">
+            <a:avLst/>
+          </a:prstGeom>
+          <a:noFill/>
+        </p:spPr>
+        <p:txBody>
+          <a:bodyPr wrap="square" rtlCol="0">
+            <a:spAutoFit/>
+          </a:bodyPr>
+          <a:lstStyle/>
+          <a:p>
+            <a:r>
+              <a:rPr lang="fr-FR" dirty="0" smtClean="0"/>
+              <a:t>Quelques résultats :</a:t>
+            </a:r>
+          </a:p>
+          <a:p>
+            <a:endParaRPr lang="fr-FR" dirty="0"/>
+          </a:p>
+          <a:p>
+            <a:endParaRPr lang="fr-FR" dirty="0"/>
+          </a:p>
+        </p:txBody>
+      </p:sp>
+      <p:sp>
+        <p:nvSpPr>
+          <p:cNvPr id="7" name="ZoneTexte 6"/>
+          <p:cNvSpPr txBox="1"/>
+          <p:nvPr/>
+        </p:nvSpPr>
+        <p:spPr>
+          <a:xfrm>
+            <a:off x="1081454" y="5600700"/>
+            <a:ext cx="8071338" cy="369332"/>
+          </a:xfrm>
+          <a:prstGeom prst="rect">
+            <a:avLst/>
+          </a:prstGeom>
+          <a:noFill/>
+        </p:spPr>
+        <p:txBody>
+          <a:bodyPr wrap="square" rtlCol="0">
+            <a:spAutoFit/>
+          </a:bodyPr>
+          <a:lstStyle/>
+          <a:p>
+            <a:r>
+              <a:rPr lang="fr-FR" dirty="0" smtClean="0"/>
+              <a:t>Le choix final s’est porté sur un algorithme de type </a:t>
+            </a:r>
+            <a:r>
+              <a:rPr lang="fr-FR" dirty="0" err="1" smtClean="0"/>
+              <a:t>RandomForest</a:t>
+            </a:r>
+            <a:endParaRPr lang="fr-FR" dirty="0"/>
           </a:p>
         </p:txBody>
       </p:sp>
@@ -4938,20 +5344,313 @@
       </p:sp>
       <p:sp>
         <p:nvSpPr>
-          <p:cNvPr id="3" name="Espace réservé du contenu 2"/>
-          <p:cNvSpPr>
-            <a:spLocks noGrp="1"/>
-          </p:cNvSpPr>
-          <p:nvPr>
-            <p:ph idx="1"/>
-          </p:nvPr>
-        </p:nvSpPr>
-        <p:spPr/>
-        <p:txBody>
-          <a:bodyPr/>
-          <a:lstStyle/>
-          <a:p>
-            <a:endParaRPr lang="fr-FR"/>
+          <p:cNvPr id="4" name="ZoneTexte 3"/>
+          <p:cNvSpPr txBox="1"/>
+          <p:nvPr/>
+        </p:nvSpPr>
+        <p:spPr>
+          <a:xfrm>
+            <a:off x="940777" y="2883877"/>
+            <a:ext cx="3367454" cy="369332"/>
+          </a:xfrm>
+          <a:prstGeom prst="rect">
+            <a:avLst/>
+          </a:prstGeom>
+          <a:noFill/>
+        </p:spPr>
+        <p:txBody>
+          <a:bodyPr wrap="square" rtlCol="0">
+            <a:spAutoFit/>
+          </a:bodyPr>
+          <a:lstStyle/>
+          <a:p>
+            <a:r>
+              <a:rPr lang="fr-FR" dirty="0" smtClean="0"/>
+              <a:t>Etape 2 : choix des métriques</a:t>
+            </a:r>
+            <a:endParaRPr lang="fr-FR" dirty="0"/>
+          </a:p>
+        </p:txBody>
+      </p:sp>
+      <p:sp>
+        <p:nvSpPr>
+          <p:cNvPr id="5" name="Flèche droite 4"/>
+          <p:cNvSpPr/>
+          <p:nvPr/>
+        </p:nvSpPr>
+        <p:spPr>
+          <a:xfrm>
+            <a:off x="4682634" y="2949819"/>
+            <a:ext cx="1793631" cy="237448"/>
+          </a:xfrm>
+          <a:prstGeom prst="rightArrow">
+            <a:avLst/>
+          </a:prstGeom>
+        </p:spPr>
+        <p:style>
+          <a:lnRef idx="2">
+            <a:schemeClr val="accent1">
+              <a:shade val="50000"/>
+            </a:schemeClr>
+          </a:lnRef>
+          <a:fillRef idx="1">
+            <a:schemeClr val="accent1"/>
+          </a:fillRef>
+          <a:effectRef idx="0">
+            <a:schemeClr val="accent1"/>
+          </a:effectRef>
+          <a:fontRef idx="minor">
+            <a:schemeClr val="lt1"/>
+          </a:fontRef>
+        </p:style>
+        <p:txBody>
+          <a:bodyPr rtlCol="0" anchor="ctr"/>
+          <a:lstStyle/>
+          <a:p>
+            <a:pPr algn="ctr"/>
+            <a:endParaRPr lang="fr-FR"/>
+          </a:p>
+        </p:txBody>
+      </p:sp>
+      <p:sp>
+        <p:nvSpPr>
+          <p:cNvPr id="6" name="ZoneTexte 5"/>
+          <p:cNvSpPr txBox="1"/>
+          <p:nvPr/>
+        </p:nvSpPr>
+        <p:spPr>
+          <a:xfrm>
+            <a:off x="6850669" y="2883877"/>
+            <a:ext cx="3402623" cy="369332"/>
+          </a:xfrm>
+          <a:prstGeom prst="rect">
+            <a:avLst/>
+          </a:prstGeom>
+          <a:noFill/>
+        </p:spPr>
+        <p:txBody>
+          <a:bodyPr wrap="square" rtlCol="0">
+            <a:spAutoFit/>
+          </a:bodyPr>
+          <a:lstStyle/>
+          <a:p>
+            <a:r>
+              <a:rPr lang="fr-FR" dirty="0" smtClean="0"/>
+              <a:t>Précision + métrique métier</a:t>
+            </a:r>
+            <a:endParaRPr lang="fr-FR" dirty="0"/>
+          </a:p>
+        </p:txBody>
+      </p:sp>
+      <p:sp>
+        <p:nvSpPr>
+          <p:cNvPr id="7" name="ZoneTexte 6"/>
+          <p:cNvSpPr txBox="1"/>
+          <p:nvPr/>
+        </p:nvSpPr>
+        <p:spPr>
+          <a:xfrm>
+            <a:off x="940777" y="2102616"/>
+            <a:ext cx="3367454" cy="369332"/>
+          </a:xfrm>
+          <a:prstGeom prst="rect">
+            <a:avLst/>
+          </a:prstGeom>
+          <a:noFill/>
+        </p:spPr>
+        <p:txBody>
+          <a:bodyPr wrap="square" rtlCol="0">
+            <a:spAutoFit/>
+          </a:bodyPr>
+          <a:lstStyle/>
+          <a:p>
+            <a:r>
+              <a:rPr lang="fr-FR" dirty="0" smtClean="0"/>
+              <a:t>Etape 2 : choix des métriques</a:t>
+            </a:r>
+            <a:endParaRPr lang="fr-FR" dirty="0"/>
+          </a:p>
+        </p:txBody>
+      </p:sp>
+      <p:sp>
+        <p:nvSpPr>
+          <p:cNvPr id="8" name="Flèche droite 7"/>
+          <p:cNvSpPr/>
+          <p:nvPr/>
+        </p:nvSpPr>
+        <p:spPr>
+          <a:xfrm>
+            <a:off x="4682634" y="2142236"/>
+            <a:ext cx="1793631" cy="237448"/>
+          </a:xfrm>
+          <a:prstGeom prst="rightArrow">
+            <a:avLst/>
+          </a:prstGeom>
+        </p:spPr>
+        <p:style>
+          <a:lnRef idx="2">
+            <a:schemeClr val="accent1">
+              <a:shade val="50000"/>
+            </a:schemeClr>
+          </a:lnRef>
+          <a:fillRef idx="1">
+            <a:schemeClr val="accent1"/>
+          </a:fillRef>
+          <a:effectRef idx="0">
+            <a:schemeClr val="accent1"/>
+          </a:effectRef>
+          <a:fontRef idx="minor">
+            <a:schemeClr val="lt1"/>
+          </a:fontRef>
+        </p:style>
+        <p:txBody>
+          <a:bodyPr rtlCol="0" anchor="ctr"/>
+          <a:lstStyle/>
+          <a:p>
+            <a:pPr algn="ctr"/>
+            <a:endParaRPr lang="fr-FR"/>
+          </a:p>
+        </p:txBody>
+      </p:sp>
+      <p:sp>
+        <p:nvSpPr>
+          <p:cNvPr id="9" name="ZoneTexte 8"/>
+          <p:cNvSpPr txBox="1"/>
+          <p:nvPr/>
+        </p:nvSpPr>
+        <p:spPr>
+          <a:xfrm>
+            <a:off x="6764216" y="2076294"/>
+            <a:ext cx="3367454" cy="369332"/>
+          </a:xfrm>
+          <a:prstGeom prst="rect">
+            <a:avLst/>
+          </a:prstGeom>
+          <a:noFill/>
+        </p:spPr>
+        <p:txBody>
+          <a:bodyPr wrap="square" rtlCol="0">
+            <a:spAutoFit/>
+          </a:bodyPr>
+          <a:lstStyle/>
+          <a:p>
+            <a:r>
+              <a:rPr lang="fr-FR" dirty="0" smtClean="0">
+                <a:solidFill>
+                  <a:srgbClr val="FF0000"/>
+                </a:solidFill>
+              </a:rPr>
+              <a:t>Insérer liste paramètres </a:t>
+            </a:r>
+            <a:endParaRPr lang="fr-FR" dirty="0">
+              <a:solidFill>
+                <a:srgbClr val="FF0000"/>
+              </a:solidFill>
+            </a:endParaRPr>
+          </a:p>
+        </p:txBody>
+      </p:sp>
+      <p:sp>
+        <p:nvSpPr>
+          <p:cNvPr id="10" name="ZoneTexte 9"/>
+          <p:cNvSpPr txBox="1"/>
+          <p:nvPr/>
+        </p:nvSpPr>
+        <p:spPr>
+          <a:xfrm>
+            <a:off x="940777" y="4077066"/>
+            <a:ext cx="3367454" cy="369332"/>
+          </a:xfrm>
+          <a:prstGeom prst="rect">
+            <a:avLst/>
+          </a:prstGeom>
+          <a:noFill/>
+        </p:spPr>
+        <p:txBody>
+          <a:bodyPr wrap="square" rtlCol="0">
+            <a:spAutoFit/>
+          </a:bodyPr>
+          <a:lstStyle/>
+          <a:p>
+            <a:r>
+              <a:rPr lang="fr-FR" dirty="0" smtClean="0"/>
+              <a:t>Etape 3 : choix de l’outil</a:t>
+            </a:r>
+            <a:endParaRPr lang="fr-FR" dirty="0"/>
+          </a:p>
+        </p:txBody>
+      </p:sp>
+      <p:sp>
+        <p:nvSpPr>
+          <p:cNvPr id="11" name="Flèche droite 10"/>
+          <p:cNvSpPr/>
+          <p:nvPr/>
+        </p:nvSpPr>
+        <p:spPr>
+          <a:xfrm>
+            <a:off x="4682634" y="4143008"/>
+            <a:ext cx="1793631" cy="237448"/>
+          </a:xfrm>
+          <a:prstGeom prst="rightArrow">
+            <a:avLst/>
+          </a:prstGeom>
+        </p:spPr>
+        <p:style>
+          <a:lnRef idx="2">
+            <a:schemeClr val="accent1">
+              <a:shade val="50000"/>
+            </a:schemeClr>
+          </a:lnRef>
+          <a:fillRef idx="1">
+            <a:schemeClr val="accent1"/>
+          </a:fillRef>
+          <a:effectRef idx="0">
+            <a:schemeClr val="accent1"/>
+          </a:effectRef>
+          <a:fontRef idx="minor">
+            <a:schemeClr val="lt1"/>
+          </a:fontRef>
+        </p:style>
+        <p:txBody>
+          <a:bodyPr rtlCol="0" anchor="ctr"/>
+          <a:lstStyle/>
+          <a:p>
+            <a:pPr algn="ctr"/>
+            <a:endParaRPr lang="fr-FR"/>
+          </a:p>
+        </p:txBody>
+      </p:sp>
+      <p:sp>
+        <p:nvSpPr>
+          <p:cNvPr id="12" name="ZoneTexte 11"/>
+          <p:cNvSpPr txBox="1"/>
+          <p:nvPr/>
+        </p:nvSpPr>
+        <p:spPr>
+          <a:xfrm>
+            <a:off x="6850668" y="4077066"/>
+            <a:ext cx="3402623" cy="646331"/>
+          </a:xfrm>
+          <a:prstGeom prst="rect">
+            <a:avLst/>
+          </a:prstGeom>
+          <a:noFill/>
+        </p:spPr>
+        <p:txBody>
+          <a:bodyPr wrap="square" rtlCol="0">
+            <a:spAutoFit/>
+          </a:bodyPr>
+          <a:lstStyle/>
+          <a:p>
+            <a:r>
+              <a:rPr lang="fr-FR" dirty="0" smtClean="0"/>
+              <a:t>Front de Pareto via librairie </a:t>
+            </a:r>
+            <a:r>
+              <a:rPr lang="fr-FR" dirty="0" err="1" smtClean="0"/>
+              <a:t>Optuna</a:t>
+            </a:r>
+            <a:endParaRPr lang="fr-FR" dirty="0"/>
           </a:p>
         </p:txBody>
       </p:sp>
@@ -5001,10 +5700,26 @@
           <a:lstStyle/>
           <a:p>
             <a:r>
-              <a:rPr lang="fr-FR" dirty="0" smtClean="0"/>
-              <a:t>Évaluation et fonction cout-métier</a:t>
-            </a:r>
-            <a:endParaRPr lang="fr-FR" dirty="0"/>
+              <a:rPr lang="fr-FR" dirty="0" smtClean="0">
+                <a:solidFill>
+                  <a:srgbClr val="FF0000"/>
+                </a:solidFill>
+              </a:rPr>
+              <a:t>Insérer front de </a:t>
+            </a:r>
+            <a:r>
+              <a:rPr lang="fr-FR" dirty="0" err="1" smtClean="0">
+                <a:solidFill>
+                  <a:srgbClr val="FF0000"/>
+                </a:solidFill>
+              </a:rPr>
+              <a:t>pareto</a:t>
+            </a:r>
+            <a:endParaRPr lang="fr-FR" dirty="0">
+              <a:solidFill>
+                <a:srgbClr val="FF0000"/>
+              </a:solidFill>
+            </a:endParaRPr>
           </a:p>
         </p:txBody>
       </p:sp>
@@ -5030,7 +5745,7 @@
     </p:spTree>
     <p:extLst>
       <p:ext uri="{BB962C8B-B14F-4D97-AF65-F5344CB8AC3E}">
-        <p14:creationId xmlns:p14="http://schemas.microsoft.com/office/powerpoint/2010/main" val="1792040171"/>
+        <p14:creationId xmlns:p14="http://schemas.microsoft.com/office/powerpoint/2010/main" val="2545987340"/>
       </p:ext>
     </p:extLst>
   </p:cSld>
@@ -5090,15 +5805,251 @@
             <p:ph idx="1"/>
           </p:nvPr>
         </p:nvSpPr>
-        <p:spPr/>
-        <p:txBody>
-          <a:bodyPr/>
-          <a:lstStyle/>
-          <a:p>
-            <a:endParaRPr lang="fr-FR"/>
-          </a:p>
-        </p:txBody>
-      </p:sp>
+        <p:spPr>
+          <a:xfrm>
+            <a:off x="838200" y="1825625"/>
+            <a:ext cx="2239108" cy="460375"/>
+          </a:xfrm>
+        </p:spPr>
+        <p:txBody>
+          <a:bodyPr>
+            <a:normAutofit lnSpcReduction="10000"/>
+          </a:bodyPr>
+          <a:lstStyle/>
+          <a:p>
+            <a:pPr marL="0" indent="0">
+              <a:buNone/>
+            </a:pPr>
+            <a:r>
+              <a:rPr lang="fr-FR" dirty="0" smtClean="0"/>
+              <a:t>Niveau global</a:t>
+            </a:r>
+            <a:endParaRPr lang="fr-FR" dirty="0"/>
+          </a:p>
+        </p:txBody>
+      </p:sp>
+      <p:sp>
+        <p:nvSpPr>
+          <p:cNvPr id="4" name="Espace réservé du contenu 2"/>
+          <p:cNvSpPr txBox="1">
+            <a:spLocks/>
+          </p:cNvSpPr>
+          <p:nvPr/>
+        </p:nvSpPr>
+        <p:spPr>
+          <a:xfrm>
+            <a:off x="7901353" y="1825625"/>
+            <a:ext cx="2239108" cy="460375"/>
+          </a:xfrm>
+          <a:prstGeom prst="rect">
+            <a:avLst/>
+          </a:prstGeom>
+        </p:spPr>
+        <p:txBody>
+          <a:bodyPr vert="horz" lIns="91440" tIns="45720" rIns="91440" bIns="45720" rtlCol="0">
+            <a:normAutofit lnSpcReduction="10000"/>
+          </a:bodyPr>
+          <a:lstStyle>
+            <a:lvl1pPr marL="228600" indent="-228600" algn="l" defTabSz="914400" rtl="0" eaLnBrk="1" latinLnBrk="0" hangingPunct="1">
+              <a:lnSpc>
+                <a:spcPct val="90000"/>
+              </a:lnSpc>
+              <a:spcBef>
+                <a:spcPts val="1000"/>
+              </a:spcBef>
+              <a:buFont typeface="Arial" panose="020B0604020202020204" pitchFamily="34" charset="0"/>
+              <a:buChar char="•"/>
+              <a:defRPr sz="2800" kern="1200">
+                <a:solidFill>
+                  <a:schemeClr val="tx1"/>
+                </a:solidFill>
+                <a:latin typeface="+mn-lt"/>
+                <a:ea typeface="+mn-ea"/>
+                <a:cs typeface="+mn-cs"/>
+              </a:defRPr>
+            </a:lvl1pPr>
+            <a:lvl2pPr marL="685800" indent="-228600" algn="l" defTabSz="914400" rtl="0" eaLnBrk="1" latinLnBrk="0" hangingPunct="1">
+              <a:lnSpc>
+                <a:spcPct val="90000"/>
+              </a:lnSpc>
+              <a:spcBef>
+                <a:spcPts val="500"/>
+              </a:spcBef>
+              <a:buFont typeface="Arial" panose="020B0604020202020204" pitchFamily="34" charset="0"/>
+              <a:buChar char="•"/>
+              <a:defRPr sz="2400" kern="1200">
+                <a:solidFill>
+                  <a:schemeClr val="tx1"/>
+                </a:solidFill>
+                <a:latin typeface="+mn-lt"/>
+                <a:ea typeface="+mn-ea"/>
+                <a:cs typeface="+mn-cs"/>
+              </a:defRPr>
+            </a:lvl2pPr>
+            <a:lvl3pPr marL="1143000" indent="-228600" algn="l" defTabSz="914400" rtl="0" eaLnBrk="1" latinLnBrk="0" hangingPunct="1">
+              <a:lnSpc>
+                <a:spcPct val="90000"/>
+              </a:lnSpc>
+              <a:spcBef>
+                <a:spcPts val="500"/>
+              </a:spcBef>
+              <a:buFont typeface="Arial" panose="020B0604020202020204" pitchFamily="34" charset="0"/>
+              <a:buChar char="•"/>
+              <a:defRPr sz="2000" kern="1200">
+                <a:solidFill>
+                  <a:schemeClr val="tx1"/>
+                </a:solidFill>
+                <a:latin typeface="+mn-lt"/>
+                <a:ea typeface="+mn-ea"/>
+                <a:cs typeface="+mn-cs"/>
+              </a:defRPr>
+            </a:lvl3pPr>
+            <a:lvl4pPr marL="1600200" indent="-228600" algn="l" defTabSz="914400" rtl="0" eaLnBrk="1" latinLnBrk="0" hangingPunct="1">
+              <a:lnSpc>
+                <a:spcPct val="90000"/>
+              </a:lnSpc>
+              <a:spcBef>
+                <a:spcPts val="500"/>
+              </a:spcBef>
+              <a:buFont typeface="Arial" panose="020B0604020202020204" pitchFamily="34" charset="0"/>
+              <a:buChar char="•"/>
+              <a:defRPr sz="1800" kern="1200">
+                <a:solidFill>
+                  <a:schemeClr val="tx1"/>
+                </a:solidFill>
+                <a:latin typeface="+mn-lt"/>
+                <a:ea typeface="+mn-ea"/>
+                <a:cs typeface="+mn-cs"/>
+              </a:defRPr>
+            </a:lvl4pPr>
+            <a:lvl5pPr marL="2057400" indent="-228600" algn="l" defTabSz="914400" rtl="0" eaLnBrk="1" latinLnBrk="0" hangingPunct="1">
+              <a:lnSpc>
+                <a:spcPct val="90000"/>
+              </a:lnSpc>
+              <a:spcBef>
+                <a:spcPts val="500"/>
+              </a:spcBef>
+              <a:buFont typeface="Arial" panose="020B0604020202020204" pitchFamily="34" charset="0"/>
+              <a:buChar char="•"/>
+              <a:defRPr sz="1800" kern="1200">
+                <a:solidFill>
+                  <a:schemeClr val="tx1"/>
+                </a:solidFill>
+                <a:latin typeface="+mn-lt"/>
+                <a:ea typeface="+mn-ea"/>
+                <a:cs typeface="+mn-cs"/>
+              </a:defRPr>
+            </a:lvl5pPr>
+            <a:lvl6pPr marL="2514600" indent="-228600" algn="l" defTabSz="914400" rtl="0" eaLnBrk="1" latinLnBrk="0" hangingPunct="1">
+              <a:lnSpc>
+                <a:spcPct val="90000"/>
+              </a:lnSpc>
+              <a:spcBef>
+                <a:spcPts val="500"/>
+              </a:spcBef>
+              <a:buFont typeface="Arial" panose="020B0604020202020204" pitchFamily="34" charset="0"/>
+              <a:buChar char="•"/>
+              <a:defRPr sz="1800" kern="1200">
+                <a:solidFill>
+                  <a:schemeClr val="tx1"/>
+                </a:solidFill>
+                <a:latin typeface="+mn-lt"/>
+                <a:ea typeface="+mn-ea"/>
+                <a:cs typeface="+mn-cs"/>
+              </a:defRPr>
+            </a:lvl6pPr>
+            <a:lvl7pPr marL="2971800" indent="-228600" algn="l" defTabSz="914400" rtl="0" eaLnBrk="1" latinLnBrk="0" hangingPunct="1">
+              <a:lnSpc>
+                <a:spcPct val="90000"/>
+              </a:lnSpc>
+              <a:spcBef>
+                <a:spcPts val="500"/>
+              </a:spcBef>
+              <a:buFont typeface="Arial" panose="020B0604020202020204" pitchFamily="34" charset="0"/>
+              <a:buChar char="•"/>
+              <a:defRPr sz="1800" kern="1200">
+                <a:solidFill>
+                  <a:schemeClr val="tx1"/>
+                </a:solidFill>
+                <a:latin typeface="+mn-lt"/>
+                <a:ea typeface="+mn-ea"/>
+                <a:cs typeface="+mn-cs"/>
+              </a:defRPr>
+            </a:lvl7pPr>
+            <a:lvl8pPr marL="3429000" indent="-228600" algn="l" defTabSz="914400" rtl="0" eaLnBrk="1" latinLnBrk="0" hangingPunct="1">
+              <a:lnSpc>
+                <a:spcPct val="90000"/>
+              </a:lnSpc>
+              <a:spcBef>
+                <a:spcPts val="500"/>
+              </a:spcBef>
+              <a:buFont typeface="Arial" panose="020B0604020202020204" pitchFamily="34" charset="0"/>
+              <a:buChar char="•"/>
+              <a:defRPr sz="1800" kern="1200">
+                <a:solidFill>
+                  <a:schemeClr val="tx1"/>
+                </a:solidFill>
+                <a:latin typeface="+mn-lt"/>
+                <a:ea typeface="+mn-ea"/>
+                <a:cs typeface="+mn-cs"/>
+              </a:defRPr>
+            </a:lvl8pPr>
+            <a:lvl9pPr marL="3886200" indent="-228600" algn="l" defTabSz="914400" rtl="0" eaLnBrk="1" latinLnBrk="0" hangingPunct="1">
+              <a:lnSpc>
+                <a:spcPct val="90000"/>
+              </a:lnSpc>
+              <a:spcBef>
+                <a:spcPts val="500"/>
+              </a:spcBef>
+              <a:buFont typeface="Arial" panose="020B0604020202020204" pitchFamily="34" charset="0"/>
+              <a:buChar char="•"/>
+              <a:defRPr sz="1800" kern="1200">
+                <a:solidFill>
+                  <a:schemeClr val="tx1"/>
+                </a:solidFill>
+                <a:latin typeface="+mn-lt"/>
+                <a:ea typeface="+mn-ea"/>
+                <a:cs typeface="+mn-cs"/>
+              </a:defRPr>
+            </a:lvl9pPr>
+          </a:lstStyle>
+          <a:p>
+            <a:pPr marL="0" indent="0">
+              <a:buFont typeface="Arial" panose="020B0604020202020204" pitchFamily="34" charset="0"/>
+              <a:buNone/>
+            </a:pPr>
+            <a:r>
+              <a:rPr lang="fr-FR" dirty="0" smtClean="0"/>
+              <a:t>Niveau Local</a:t>
+            </a:r>
+            <a:endParaRPr lang="fr-FR" dirty="0"/>
+          </a:p>
+        </p:txBody>
+      </p:sp>
+      <p:pic>
+        <p:nvPicPr>
+          <p:cNvPr id="5" name="Image 4"/>
+          <p:cNvPicPr>
+            <a:picLocks noChangeAspect="1"/>
+          </p:cNvPicPr>
+          <p:nvPr/>
+        </p:nvPicPr>
+        <p:blipFill>
+          <a:blip r:embed="rId2"/>
+          <a:stretch>
+            <a:fillRect/>
+          </a:stretch>
+        </p:blipFill>
+        <p:spPr>
+          <a:xfrm>
+            <a:off x="508482" y="2420937"/>
+            <a:ext cx="5137651" cy="3382108"/>
+          </a:xfrm>
+          <a:prstGeom prst="rect">
+            <a:avLst/>
+          </a:prstGeom>
+        </p:spPr>
+      </p:pic>
     </p:spTree>
     <p:extLst>
       <p:ext uri="{BB962C8B-B14F-4D97-AF65-F5344CB8AC3E}">
